--- a/MyResources/Photos/Photos.pptx
+++ b/MyResources/Photos/Photos.pptx
@@ -7,6 +7,9 @@
   <p:sldIdLst>
     <p:sldId id="256" r:id="rId2"/>
     <p:sldId id="257" r:id="rId3"/>
+    <p:sldId id="258" r:id="rId4"/>
+    <p:sldId id="259" r:id="rId5"/>
+    <p:sldId id="260" r:id="rId6"/>
   </p:sldIdLst>
   <p:sldSz cx="9144000" cy="6858000" type="screen4x3"/>
   <p:notesSz cx="6858000" cy="9144000"/>
@@ -290,7 +293,7 @@
             <a:fld id="{8FD1C25F-5938-43D9-ADF9-F830758AC873}" type="datetimeFigureOut">
               <a:rPr lang="en-US" smtClean="0"/>
               <a:pPr/>
-              <a:t>3/28/2014</a:t>
+              <a:t>3/30/2014</a:t>
             </a:fld>
             <a:endParaRPr lang="en-GB"/>
           </a:p>
@@ -457,7 +460,7 @@
             <a:fld id="{8FD1C25F-5938-43D9-ADF9-F830758AC873}" type="datetimeFigureOut">
               <a:rPr lang="en-US" smtClean="0"/>
               <a:pPr/>
-              <a:t>3/28/2014</a:t>
+              <a:t>3/30/2014</a:t>
             </a:fld>
             <a:endParaRPr lang="en-GB"/>
           </a:p>
@@ -634,7 +637,7 @@
             <a:fld id="{8FD1C25F-5938-43D9-ADF9-F830758AC873}" type="datetimeFigureOut">
               <a:rPr lang="en-US" smtClean="0"/>
               <a:pPr/>
-              <a:t>3/28/2014</a:t>
+              <a:t>3/30/2014</a:t>
             </a:fld>
             <a:endParaRPr lang="en-GB"/>
           </a:p>
@@ -801,7 +804,7 @@
             <a:fld id="{8FD1C25F-5938-43D9-ADF9-F830758AC873}" type="datetimeFigureOut">
               <a:rPr lang="en-US" smtClean="0"/>
               <a:pPr/>
-              <a:t>3/28/2014</a:t>
+              <a:t>3/30/2014</a:t>
             </a:fld>
             <a:endParaRPr lang="en-GB"/>
           </a:p>
@@ -1044,7 +1047,7 @@
             <a:fld id="{8FD1C25F-5938-43D9-ADF9-F830758AC873}" type="datetimeFigureOut">
               <a:rPr lang="en-US" smtClean="0"/>
               <a:pPr/>
-              <a:t>3/28/2014</a:t>
+              <a:t>3/30/2014</a:t>
             </a:fld>
             <a:endParaRPr lang="en-GB"/>
           </a:p>
@@ -1329,7 +1332,7 @@
             <a:fld id="{8FD1C25F-5938-43D9-ADF9-F830758AC873}" type="datetimeFigureOut">
               <a:rPr lang="en-US" smtClean="0"/>
               <a:pPr/>
-              <a:t>3/28/2014</a:t>
+              <a:t>3/30/2014</a:t>
             </a:fld>
             <a:endParaRPr lang="en-GB"/>
           </a:p>
@@ -1748,7 +1751,7 @@
             <a:fld id="{8FD1C25F-5938-43D9-ADF9-F830758AC873}" type="datetimeFigureOut">
               <a:rPr lang="en-US" smtClean="0"/>
               <a:pPr/>
-              <a:t>3/28/2014</a:t>
+              <a:t>3/30/2014</a:t>
             </a:fld>
             <a:endParaRPr lang="en-GB"/>
           </a:p>
@@ -1863,7 +1866,7 @@
             <a:fld id="{8FD1C25F-5938-43D9-ADF9-F830758AC873}" type="datetimeFigureOut">
               <a:rPr lang="en-US" smtClean="0"/>
               <a:pPr/>
-              <a:t>3/28/2014</a:t>
+              <a:t>3/30/2014</a:t>
             </a:fld>
             <a:endParaRPr lang="en-GB"/>
           </a:p>
@@ -1955,7 +1958,7 @@
             <a:fld id="{8FD1C25F-5938-43D9-ADF9-F830758AC873}" type="datetimeFigureOut">
               <a:rPr lang="en-US" smtClean="0"/>
               <a:pPr/>
-              <a:t>3/28/2014</a:t>
+              <a:t>3/30/2014</a:t>
             </a:fld>
             <a:endParaRPr lang="en-GB"/>
           </a:p>
@@ -2229,7 +2232,7 @@
             <a:fld id="{8FD1C25F-5938-43D9-ADF9-F830758AC873}" type="datetimeFigureOut">
               <a:rPr lang="en-US" smtClean="0"/>
               <a:pPr/>
-              <a:t>3/28/2014</a:t>
+              <a:t>3/30/2014</a:t>
             </a:fld>
             <a:endParaRPr lang="en-GB"/>
           </a:p>
@@ -2479,7 +2482,7 @@
             <a:fld id="{8FD1C25F-5938-43D9-ADF9-F830758AC873}" type="datetimeFigureOut">
               <a:rPr lang="en-US" smtClean="0"/>
               <a:pPr/>
-              <a:t>3/28/2014</a:t>
+              <a:t>3/30/2014</a:t>
             </a:fld>
             <a:endParaRPr lang="en-GB"/>
           </a:p>
@@ -2689,7 +2692,7 @@
             <a:fld id="{8FD1C25F-5938-43D9-ADF9-F830758AC873}" type="datetimeFigureOut">
               <a:rPr lang="en-US" smtClean="0"/>
               <a:pPr/>
-              <a:t>3/28/2014</a:t>
+              <a:t>3/30/2014</a:t>
             </a:fld>
             <a:endParaRPr lang="en-GB"/>
           </a:p>
@@ -3205,6 +3208,337 @@
 </p:sld>
 </file>
 
+<file path=ppt/slides/slide3.xml><?xml version="1.0" encoding="utf-8"?>
+<p:sld xmlns:a="http://schemas.openxmlformats.org/drawingml/2006/main" xmlns:r="http://schemas.openxmlformats.org/officeDocument/2006/relationships" xmlns:p="http://schemas.openxmlformats.org/presentationml/2006/main">
+  <p:cSld>
+    <p:spTree>
+      <p:nvGrpSpPr>
+        <p:cNvPr id="1" name=""/>
+        <p:cNvGrpSpPr/>
+        <p:nvPr/>
+      </p:nvGrpSpPr>
+      <p:grpSpPr>
+        <a:xfrm>
+          <a:off x="0" y="0"/>
+          <a:ext cx="0" cy="0"/>
+          <a:chOff x="0" y="0"/>
+          <a:chExt cx="0" cy="0"/>
+        </a:xfrm>
+      </p:grpSpPr>
+      <p:pic>
+        <p:nvPicPr>
+          <p:cNvPr id="1026" name="Picture 2" descr="D:\Workspaces\Eclipse-Android\OneTouchSettings\My Resources\Photos\bluetooth_on 01.png"/>
+          <p:cNvPicPr>
+            <a:picLocks noChangeAspect="1" noChangeArrowheads="1"/>
+          </p:cNvPicPr>
+          <p:nvPr/>
+        </p:nvPicPr>
+        <p:blipFill>
+          <a:blip r:embed="rId2"/>
+          <a:srcRect/>
+          <a:stretch>
+            <a:fillRect/>
+          </a:stretch>
+        </p:blipFill>
+        <p:spPr bwMode="auto">
+          <a:xfrm>
+            <a:off x="3214678" y="1785926"/>
+            <a:ext cx="2038350" cy="2038350"/>
+          </a:xfrm>
+          <a:prstGeom prst="rect">
+            <a:avLst/>
+          </a:prstGeom>
+          <a:noFill/>
+        </p:spPr>
+      </p:pic>
+      <p:sp>
+        <p:nvSpPr>
+          <p:cNvPr id="3" name="Rectangle 2"/>
+          <p:cNvSpPr/>
+          <p:nvPr/>
+        </p:nvSpPr>
+        <p:spPr>
+          <a:xfrm>
+            <a:off x="3714744" y="2357430"/>
+            <a:ext cx="1928826" cy="1631216"/>
+          </a:xfrm>
+          <a:prstGeom prst="rect">
+            <a:avLst/>
+          </a:prstGeom>
+          <a:noFill/>
+        </p:spPr>
+        <p:txBody>
+          <a:bodyPr wrap="square" lIns="91440" tIns="45720" rIns="91440" bIns="45720">
+            <a:spAutoFit/>
+          </a:bodyPr>
+          <a:lstStyle/>
+          <a:p>
+            <a:pPr algn="ctr"/>
+            <a:r>
+              <a:rPr lang="en-US" sz="10000" b="1" cap="none" spc="0" dirty="0" smtClean="0">
+                <a:ln w="12700">
+                  <a:solidFill>
+                    <a:schemeClr val="tx2">
+                      <a:satMod val="155000"/>
+                    </a:schemeClr>
+                  </a:solidFill>
+                  <a:prstDash val="solid"/>
+                </a:ln>
+                <a:solidFill>
+                  <a:schemeClr val="bg2">
+                    <a:tint val="85000"/>
+                    <a:satMod val="155000"/>
+                  </a:schemeClr>
+                </a:solidFill>
+                <a:effectLst>
+                  <a:outerShdw blurRad="41275" dist="20320" dir="1800000" algn="tl" rotWithShape="0">
+                    <a:srgbClr val="000000">
+                      <a:alpha val="40000"/>
+                    </a:srgbClr>
+                  </a:outerShdw>
+                </a:effectLst>
+              </a:rPr>
+              <a:t>?</a:t>
+            </a:r>
+            <a:endParaRPr lang="en-US" sz="10000" b="1" cap="none" spc="0" dirty="0">
+              <a:ln w="12700">
+                <a:solidFill>
+                  <a:schemeClr val="tx2">
+                    <a:satMod val="155000"/>
+                  </a:schemeClr>
+                </a:solidFill>
+                <a:prstDash val="solid"/>
+              </a:ln>
+              <a:solidFill>
+                <a:schemeClr val="bg2">
+                  <a:tint val="85000"/>
+                  <a:satMod val="155000"/>
+                </a:schemeClr>
+              </a:solidFill>
+              <a:effectLst>
+                <a:outerShdw blurRad="41275" dist="20320" dir="1800000" algn="tl" rotWithShape="0">
+                  <a:srgbClr val="000000">
+                    <a:alpha val="40000"/>
+                  </a:srgbClr>
+                </a:outerShdw>
+              </a:effectLst>
+            </a:endParaRPr>
+          </a:p>
+        </p:txBody>
+      </p:sp>
+    </p:spTree>
+  </p:cSld>
+  <p:clrMapOvr>
+    <a:masterClrMapping/>
+  </p:clrMapOvr>
+  <p:timing>
+    <p:tnLst>
+      <p:par>
+        <p:cTn id="1" dur="indefinite" restart="never" nodeType="tmRoot"/>
+      </p:par>
+    </p:tnLst>
+  </p:timing>
+</p:sld>
+</file>
+
+<file path=ppt/slides/slide4.xml><?xml version="1.0" encoding="utf-8"?>
+<p:sld xmlns:a="http://schemas.openxmlformats.org/drawingml/2006/main" xmlns:r="http://schemas.openxmlformats.org/officeDocument/2006/relationships" xmlns:p="http://schemas.openxmlformats.org/presentationml/2006/main">
+  <p:cSld>
+    <p:spTree>
+      <p:nvGrpSpPr>
+        <p:cNvPr id="1" name=""/>
+        <p:cNvGrpSpPr/>
+        <p:nvPr/>
+      </p:nvGrpSpPr>
+      <p:grpSpPr>
+        <a:xfrm>
+          <a:off x="0" y="0"/>
+          <a:ext cx="0" cy="0"/>
+          <a:chOff x="0" y="0"/>
+          <a:chExt cx="0" cy="0"/>
+        </a:xfrm>
+      </p:grpSpPr>
+      <p:pic>
+        <p:nvPicPr>
+          <p:cNvPr id="2050" name="Picture 2" descr="D:\Workspaces\Eclipse-Android\OneTouchSettings\My Resources\Photos\bluetooth_off 01.png"/>
+          <p:cNvPicPr>
+            <a:picLocks noChangeAspect="1" noChangeArrowheads="1"/>
+          </p:cNvPicPr>
+          <p:nvPr/>
+        </p:nvPicPr>
+        <p:blipFill>
+          <a:blip r:embed="rId2"/>
+          <a:srcRect/>
+          <a:stretch>
+            <a:fillRect/>
+          </a:stretch>
+        </p:blipFill>
+        <p:spPr bwMode="auto">
+          <a:xfrm>
+            <a:off x="3178175" y="2381250"/>
+            <a:ext cx="2038350" cy="2038350"/>
+          </a:xfrm>
+          <a:prstGeom prst="rect">
+            <a:avLst/>
+          </a:prstGeom>
+          <a:noFill/>
+        </p:spPr>
+      </p:pic>
+      <p:sp>
+        <p:nvSpPr>
+          <p:cNvPr id="4" name="Rectangle 3"/>
+          <p:cNvSpPr/>
+          <p:nvPr/>
+        </p:nvSpPr>
+        <p:spPr>
+          <a:xfrm>
+            <a:off x="4214810" y="3000372"/>
+            <a:ext cx="779381" cy="1631216"/>
+          </a:xfrm>
+          <a:prstGeom prst="rect">
+            <a:avLst/>
+          </a:prstGeom>
+        </p:spPr>
+        <p:txBody>
+          <a:bodyPr wrap="none">
+            <a:spAutoFit/>
+          </a:bodyPr>
+          <a:lstStyle/>
+          <a:p>
+            <a:pPr algn="ctr"/>
+            <a:r>
+              <a:rPr lang="en-US" sz="10000" b="1" dirty="0" smtClean="0">
+                <a:ln w="12700">
+                  <a:solidFill>
+                    <a:schemeClr val="tx2">
+                      <a:satMod val="155000"/>
+                    </a:schemeClr>
+                  </a:solidFill>
+                  <a:prstDash val="solid"/>
+                </a:ln>
+                <a:solidFill>
+                  <a:schemeClr val="bg2">
+                    <a:tint val="85000"/>
+                    <a:satMod val="155000"/>
+                  </a:schemeClr>
+                </a:solidFill>
+                <a:effectLst>
+                  <a:outerShdw blurRad="41275" dist="20320" dir="1800000" algn="tl" rotWithShape="0">
+                    <a:srgbClr val="000000">
+                      <a:alpha val="40000"/>
+                    </a:srgbClr>
+                  </a:outerShdw>
+                </a:effectLst>
+              </a:rPr>
+              <a:t>?</a:t>
+            </a:r>
+            <a:endParaRPr lang="en-US" sz="10000" b="1" dirty="0">
+              <a:ln w="12700">
+                <a:solidFill>
+                  <a:schemeClr val="tx2">
+                    <a:satMod val="155000"/>
+                  </a:schemeClr>
+                </a:solidFill>
+                <a:prstDash val="solid"/>
+              </a:ln>
+              <a:solidFill>
+                <a:schemeClr val="bg2">
+                  <a:tint val="85000"/>
+                  <a:satMod val="155000"/>
+                </a:schemeClr>
+              </a:solidFill>
+              <a:effectLst>
+                <a:outerShdw blurRad="41275" dist="20320" dir="1800000" algn="tl" rotWithShape="0">
+                  <a:srgbClr val="000000">
+                    <a:alpha val="40000"/>
+                  </a:srgbClr>
+                </a:outerShdw>
+              </a:effectLst>
+            </a:endParaRPr>
+          </a:p>
+        </p:txBody>
+      </p:sp>
+    </p:spTree>
+  </p:cSld>
+  <p:clrMapOvr>
+    <a:masterClrMapping/>
+  </p:clrMapOvr>
+  <p:timing>
+    <p:tnLst>
+      <p:par>
+        <p:cTn id="1" dur="indefinite" restart="never" nodeType="tmRoot"/>
+      </p:par>
+    </p:tnLst>
+  </p:timing>
+</p:sld>
+</file>
+
+<file path=ppt/slides/slide5.xml><?xml version="1.0" encoding="utf-8"?>
+<p:sld xmlns:a="http://schemas.openxmlformats.org/drawingml/2006/main" xmlns:r="http://schemas.openxmlformats.org/officeDocument/2006/relationships" xmlns:p="http://schemas.openxmlformats.org/presentationml/2006/main">
+  <p:cSld>
+    <p:spTree>
+      <p:nvGrpSpPr>
+        <p:cNvPr id="1" name=""/>
+        <p:cNvGrpSpPr/>
+        <p:nvPr/>
+      </p:nvGrpSpPr>
+      <p:grpSpPr>
+        <a:xfrm>
+          <a:off x="0" y="0"/>
+          <a:ext cx="0" cy="0"/>
+          <a:chOff x="0" y="0"/>
+          <a:chExt cx="0" cy="0"/>
+        </a:xfrm>
+      </p:grpSpPr>
+      <p:pic>
+        <p:nvPicPr>
+          <p:cNvPr id="3074" name="Picture 2" descr="D:\Workspaces\Eclipse-Android\OneTouchSettings\My Resources\Photos\wifi_on 01.jpg"/>
+          <p:cNvPicPr>
+            <a:picLocks noChangeAspect="1" noChangeArrowheads="1"/>
+          </p:cNvPicPr>
+          <p:nvPr/>
+        </p:nvPicPr>
+        <p:blipFill>
+          <a:blip r:embed="rId2">
+            <a:duotone>
+              <a:schemeClr val="bg2">
+                <a:shade val="45000"/>
+                <a:satMod val="135000"/>
+              </a:schemeClr>
+              <a:prstClr val="white"/>
+            </a:duotone>
+          </a:blip>
+          <a:srcRect/>
+          <a:stretch>
+            <a:fillRect/>
+          </a:stretch>
+        </p:blipFill>
+        <p:spPr bwMode="auto">
+          <a:xfrm>
+            <a:off x="3357554" y="1857364"/>
+            <a:ext cx="2038350" cy="1524000"/>
+          </a:xfrm>
+          <a:prstGeom prst="rect">
+            <a:avLst/>
+          </a:prstGeom>
+          <a:noFill/>
+        </p:spPr>
+      </p:pic>
+    </p:spTree>
+  </p:cSld>
+  <p:clrMapOvr>
+    <a:masterClrMapping/>
+  </p:clrMapOvr>
+  <p:timing>
+    <p:tnLst>
+      <p:par>
+        <p:cTn id="1" dur="indefinite" restart="never" nodeType="tmRoot"/>
+      </p:par>
+    </p:tnLst>
+  </p:timing>
+</p:sld>
+</file>
+
 <file path=ppt/theme/theme1.xml><?xml version="1.0" encoding="utf-8"?>
 <a:theme xmlns:a="http://schemas.openxmlformats.org/drawingml/2006/main" name="Office Theme">
   <a:themeElements>
